--- a/tutorials/pipelines/tut_nn_con_bud_cla/vector files/fig06_medium.pptx
+++ b/tutorials/pipelines/tut_nn_con_bud_cla/vector files/fig06_medium.pptx
@@ -243,7 +243,7 @@
           <a:p>
             <a:fld id="{CA1BB51F-BFC6-4DD3-8C2A-5B21FD6F69C3}" type="datetimeFigureOut">
               <a:rPr lang="en-SE" smtClean="0"/>
-              <a:t>10/01/2023</a:t>
+              <a:t>2023-10-08</a:t>
             </a:fld>
             <a:endParaRPr lang="en-SE"/>
           </a:p>
@@ -413,7 +413,7 @@
           <a:p>
             <a:fld id="{CA1BB51F-BFC6-4DD3-8C2A-5B21FD6F69C3}" type="datetimeFigureOut">
               <a:rPr lang="en-SE" smtClean="0"/>
-              <a:t>10/01/2023</a:t>
+              <a:t>2023-10-08</a:t>
             </a:fld>
             <a:endParaRPr lang="en-SE"/>
           </a:p>
@@ -593,7 +593,7 @@
           <a:p>
             <a:fld id="{CA1BB51F-BFC6-4DD3-8C2A-5B21FD6F69C3}" type="datetimeFigureOut">
               <a:rPr lang="en-SE" smtClean="0"/>
-              <a:t>10/01/2023</a:t>
+              <a:t>2023-10-08</a:t>
             </a:fld>
             <a:endParaRPr lang="en-SE"/>
           </a:p>
@@ -763,7 +763,7 @@
           <a:p>
             <a:fld id="{CA1BB51F-BFC6-4DD3-8C2A-5B21FD6F69C3}" type="datetimeFigureOut">
               <a:rPr lang="en-SE" smtClean="0"/>
-              <a:t>10/01/2023</a:t>
+              <a:t>2023-10-08</a:t>
             </a:fld>
             <a:endParaRPr lang="en-SE"/>
           </a:p>
@@ -1009,7 +1009,7 @@
           <a:p>
             <a:fld id="{CA1BB51F-BFC6-4DD3-8C2A-5B21FD6F69C3}" type="datetimeFigureOut">
               <a:rPr lang="en-SE" smtClean="0"/>
-              <a:t>10/01/2023</a:t>
+              <a:t>2023-10-08</a:t>
             </a:fld>
             <a:endParaRPr lang="en-SE"/>
           </a:p>
@@ -1241,7 +1241,7 @@
           <a:p>
             <a:fld id="{CA1BB51F-BFC6-4DD3-8C2A-5B21FD6F69C3}" type="datetimeFigureOut">
               <a:rPr lang="en-SE" smtClean="0"/>
-              <a:t>10/01/2023</a:t>
+              <a:t>2023-10-08</a:t>
             </a:fld>
             <a:endParaRPr lang="en-SE"/>
           </a:p>
@@ -1608,7 +1608,7 @@
           <a:p>
             <a:fld id="{CA1BB51F-BFC6-4DD3-8C2A-5B21FD6F69C3}" type="datetimeFigureOut">
               <a:rPr lang="en-SE" smtClean="0"/>
-              <a:t>10/01/2023</a:t>
+              <a:t>2023-10-08</a:t>
             </a:fld>
             <a:endParaRPr lang="en-SE"/>
           </a:p>
@@ -1726,7 +1726,7 @@
           <a:p>
             <a:fld id="{CA1BB51F-BFC6-4DD3-8C2A-5B21FD6F69C3}" type="datetimeFigureOut">
               <a:rPr lang="en-SE" smtClean="0"/>
-              <a:t>10/01/2023</a:t>
+              <a:t>2023-10-08</a:t>
             </a:fld>
             <a:endParaRPr lang="en-SE"/>
           </a:p>
@@ -1821,7 +1821,7 @@
           <a:p>
             <a:fld id="{CA1BB51F-BFC6-4DD3-8C2A-5B21FD6F69C3}" type="datetimeFigureOut">
               <a:rPr lang="en-SE" smtClean="0"/>
-              <a:t>10/01/2023</a:t>
+              <a:t>2023-10-08</a:t>
             </a:fld>
             <a:endParaRPr lang="en-SE"/>
           </a:p>
@@ -2098,7 +2098,7 @@
           <a:p>
             <a:fld id="{CA1BB51F-BFC6-4DD3-8C2A-5B21FD6F69C3}" type="datetimeFigureOut">
               <a:rPr lang="en-SE" smtClean="0"/>
-              <a:t>10/01/2023</a:t>
+              <a:t>2023-10-08</a:t>
             </a:fld>
             <a:endParaRPr lang="en-SE"/>
           </a:p>
@@ -2355,7 +2355,7 @@
           <a:p>
             <a:fld id="{CA1BB51F-BFC6-4DD3-8C2A-5B21FD6F69C3}" type="datetimeFigureOut">
               <a:rPr lang="en-SE" smtClean="0"/>
-              <a:t>10/01/2023</a:t>
+              <a:t>2023-10-08</a:t>
             </a:fld>
             <a:endParaRPr lang="en-SE"/>
           </a:p>
@@ -2568,7 +2568,7 @@
           <a:p>
             <a:fld id="{CA1BB51F-BFC6-4DD3-8C2A-5B21FD6F69C3}" type="datetimeFigureOut">
               <a:rPr lang="en-SE" smtClean="0"/>
-              <a:t>10/01/2023</a:t>
+              <a:t>2023-10-08</a:t>
             </a:fld>
             <a:endParaRPr lang="en-SE"/>
           </a:p>
@@ -2975,32 +2975,30 @@
       </p:grpSpPr>
       <p:grpSp>
         <p:nvGrpSpPr>
-          <p:cNvPr id="12" name="Group 11">
+          <p:cNvPr id="13" name="Group 12">
             <a:extLst>
               <a:ext uri="{FF2B5EF4-FFF2-40B4-BE49-F238E27FC236}">
-                <a16:creationId xmlns:a16="http://schemas.microsoft.com/office/drawing/2014/main" id="{12522898-40CB-ECE2-7B80-0548561647C3}"/>
+                <a16:creationId xmlns:a16="http://schemas.microsoft.com/office/drawing/2014/main" id="{6B6BE23E-3F98-9B31-6ADE-787F1C9FE3F7}"/>
               </a:ext>
             </a:extLst>
           </p:cNvPr>
-          <p:cNvGrpSpPr>
-            <a:grpSpLocks noChangeAspect="1"/>
-          </p:cNvGrpSpPr>
+          <p:cNvGrpSpPr/>
           <p:nvPr/>
         </p:nvGrpSpPr>
         <p:grpSpPr>
           <a:xfrm>
-            <a:off x="-4550" y="0"/>
-            <a:ext cx="4271750" cy="2736531"/>
-            <a:chOff x="593635" y="0"/>
-            <a:chExt cx="8386841" cy="5486400"/>
+            <a:off x="0" y="0"/>
+            <a:ext cx="4346897" cy="2160588"/>
+            <a:chOff x="0" y="0"/>
+            <a:chExt cx="4346897" cy="2160588"/>
           </a:xfrm>
         </p:grpSpPr>
         <p:pic>
           <p:nvPicPr>
-            <p:cNvPr id="10" name="Picture 9">
+            <p:cNvPr id="9" name="Picture 8">
               <a:extLst>
                 <a:ext uri="{FF2B5EF4-FFF2-40B4-BE49-F238E27FC236}">
-                  <a16:creationId xmlns:a16="http://schemas.microsoft.com/office/drawing/2014/main" id="{4FD5FB14-E9FC-C7B7-F5AC-7E825E019E91}"/>
+                  <a16:creationId xmlns:a16="http://schemas.microsoft.com/office/drawing/2014/main" id="{6B83FF84-0BD4-A54C-FC98-AF10010D0C05}"/>
                 </a:ext>
               </a:extLst>
             </p:cNvPr>
@@ -3017,8 +3015,8 @@
           </p:blipFill>
           <p:spPr>
             <a:xfrm>
-              <a:off x="2754488" y="0"/>
-              <a:ext cx="6225988" cy="5486400"/>
+              <a:off x="1080294" y="0"/>
+              <a:ext cx="3266603" cy="2160588"/>
             </a:xfrm>
             <a:prstGeom prst="rect">
               <a:avLst/>
@@ -3027,10 +3025,10 @@
         </p:pic>
         <p:pic>
           <p:nvPicPr>
-            <p:cNvPr id="4" name="Picture 3">
+            <p:cNvPr id="5" name="Picture 4">
               <a:extLst>
                 <a:ext uri="{FF2B5EF4-FFF2-40B4-BE49-F238E27FC236}">
-                  <a16:creationId xmlns:a16="http://schemas.microsoft.com/office/drawing/2014/main" id="{923EAB3F-FF24-DF41-EF63-43DC83A81286}"/>
+                  <a16:creationId xmlns:a16="http://schemas.microsoft.com/office/drawing/2014/main" id="{51E03337-D317-C483-A0FF-4770BF55B36B}"/>
                 </a:ext>
               </a:extLst>
             </p:cNvPr>
@@ -3047,8 +3045,8 @@
           </p:blipFill>
           <p:spPr>
             <a:xfrm>
-              <a:off x="593635" y="0"/>
-              <a:ext cx="2173045" cy="5486400"/>
+              <a:off x="0" y="0"/>
+              <a:ext cx="1080294" cy="2160588"/>
             </a:xfrm>
             <a:prstGeom prst="rect">
               <a:avLst/>
@@ -3070,7 +3068,7 @@
         </p:nvSpPr>
         <p:spPr>
           <a:xfrm>
-            <a:off x="41910" y="1590039"/>
+            <a:off x="41910" y="1618614"/>
             <a:ext cx="847090" cy="95251"/>
           </a:xfrm>
           <a:prstGeom prst="rect">
@@ -3125,7 +3123,7 @@
         </p:nvSpPr>
         <p:spPr>
           <a:xfrm>
-            <a:off x="763000" y="1395282"/>
+            <a:off x="783558" y="1382582"/>
             <a:ext cx="252000" cy="252000"/>
           </a:xfrm>
           <a:prstGeom prst="ellipse">
@@ -3173,6 +3171,59 @@
               <a:latin typeface="Arial" panose="020B0604020202020204" pitchFamily="34" charset="0"/>
               <a:cs typeface="Arial" panose="020B0604020202020204" pitchFamily="34" charset="0"/>
             </a:endParaRPr>
+          </a:p>
+        </p:txBody>
+      </p:sp>
+      <p:sp>
+        <p:nvSpPr>
+          <p:cNvPr id="2" name="Rectangle 1">
+            <a:extLst>
+              <a:ext uri="{FF2B5EF4-FFF2-40B4-BE49-F238E27FC236}">
+                <a16:creationId xmlns:a16="http://schemas.microsoft.com/office/drawing/2014/main" id="{9F5242C2-C853-73E6-6B05-15CD2146B7B1}"/>
+              </a:ext>
+            </a:extLst>
+          </p:cNvPr>
+          <p:cNvSpPr/>
+          <p:nvPr/>
+        </p:nvSpPr>
+        <p:spPr>
+          <a:xfrm>
+            <a:off x="1100138" y="1122361"/>
+            <a:ext cx="3195637" cy="161925"/>
+          </a:xfrm>
+          <a:prstGeom prst="rect">
+            <a:avLst/>
+          </a:prstGeom>
+          <a:noFill/>
+          <a:ln w="12700">
+            <a:solidFill>
+              <a:srgbClr val="F4B183"/>
+            </a:solidFill>
+            <a:prstDash val="sysDot"/>
+          </a:ln>
+        </p:spPr>
+        <p:style>
+          <a:lnRef idx="2">
+            <a:schemeClr val="accent1">
+              <a:shade val="15000"/>
+            </a:schemeClr>
+          </a:lnRef>
+          <a:fillRef idx="1">
+            <a:schemeClr val="accent1"/>
+          </a:fillRef>
+          <a:effectRef idx="0">
+            <a:schemeClr val="accent1"/>
+          </a:effectRef>
+          <a:fontRef idx="minor">
+            <a:schemeClr val="lt1"/>
+          </a:fontRef>
+        </p:style>
+        <p:txBody>
+          <a:bodyPr rtlCol="0" anchor="ctr"/>
+          <a:lstStyle/>
+          <a:p>
+            <a:pPr algn="ctr"/>
+            <a:endParaRPr lang="en-SE"/>
           </a:p>
         </p:txBody>
       </p:sp>
@@ -3240,59 +3291,6 @@
               <a:latin typeface="Arial" panose="020B0604020202020204" pitchFamily="34" charset="0"/>
               <a:cs typeface="Arial" panose="020B0604020202020204" pitchFamily="34" charset="0"/>
             </a:endParaRPr>
-          </a:p>
-        </p:txBody>
-      </p:sp>
-      <p:sp>
-        <p:nvSpPr>
-          <p:cNvPr id="2" name="Rectangle 1">
-            <a:extLst>
-              <a:ext uri="{FF2B5EF4-FFF2-40B4-BE49-F238E27FC236}">
-                <a16:creationId xmlns:a16="http://schemas.microsoft.com/office/drawing/2014/main" id="{9F5242C2-C853-73E6-6B05-15CD2146B7B1}"/>
-              </a:ext>
-            </a:extLst>
-          </p:cNvPr>
-          <p:cNvSpPr/>
-          <p:nvPr/>
-        </p:nvSpPr>
-        <p:spPr>
-          <a:xfrm>
-            <a:off x="1121409" y="1166813"/>
-            <a:ext cx="3090546" cy="161925"/>
-          </a:xfrm>
-          <a:prstGeom prst="rect">
-            <a:avLst/>
-          </a:prstGeom>
-          <a:noFill/>
-          <a:ln w="12700">
-            <a:solidFill>
-              <a:srgbClr val="F4B183"/>
-            </a:solidFill>
-            <a:prstDash val="sysDot"/>
-          </a:ln>
-        </p:spPr>
-        <p:style>
-          <a:lnRef idx="2">
-            <a:schemeClr val="accent1">
-              <a:shade val="15000"/>
-            </a:schemeClr>
-          </a:lnRef>
-          <a:fillRef idx="1">
-            <a:schemeClr val="accent1"/>
-          </a:fillRef>
-          <a:effectRef idx="0">
-            <a:schemeClr val="accent1"/>
-          </a:effectRef>
-          <a:fontRef idx="minor">
-            <a:schemeClr val="lt1"/>
-          </a:fontRef>
-        </p:style>
-        <p:txBody>
-          <a:bodyPr rtlCol="0" anchor="ctr"/>
-          <a:lstStyle/>
-          <a:p>
-            <a:pPr algn="ctr"/>
-            <a:endParaRPr lang="en-SE"/>
           </a:p>
         </p:txBody>
       </p:sp>
